--- a/全面掌握Django ORM.pptx
+++ b/全面掌握Django ORM.pptx
@@ -349,7 +349,7 @@
                 <a:cs typeface="Calibri" pitchFamily="34" charset="0"/>
               </a:rPr>
               <a:pPr algn="r"/>
-              <a:t>2018/11/5</a:t>
+              <a:t>2019/4/15</a:t>
             </a:fld>
             <a:endParaRPr lang="zh-CN" altLang="en-US" sz="1200">
               <a:latin typeface="Calibri" pitchFamily="34" charset="0"/>
@@ -2381,7 +2381,7 @@
             <a:fld id="{72514870-5082-4025-BC8A-5E070B8EB77D}" type="datetimeFigureOut">
               <a:rPr lang="zh-CN" altLang="en-US" smtClean="0"/>
               <a:pPr/>
-              <a:t>2018/11/5</a:t>
+              <a:t>2019/4/15</a:t>
             </a:fld>
             <a:endParaRPr lang="zh-CN" altLang="en-US"/>
           </a:p>
@@ -2553,7 +2553,7 @@
             <a:fld id="{72514870-5082-4025-BC8A-5E070B8EB77D}" type="datetimeFigureOut">
               <a:rPr lang="zh-CN" altLang="en-US" smtClean="0"/>
               <a:pPr/>
-              <a:t>2018/11/5</a:t>
+              <a:t>2019/4/15</a:t>
             </a:fld>
             <a:endParaRPr lang="zh-CN" altLang="en-US"/>
           </a:p>
@@ -2735,7 +2735,7 @@
             <a:fld id="{72514870-5082-4025-BC8A-5E070B8EB77D}" type="datetimeFigureOut">
               <a:rPr lang="zh-CN" altLang="en-US" smtClean="0"/>
               <a:pPr/>
-              <a:t>2018/11/5</a:t>
+              <a:t>2019/4/15</a:t>
             </a:fld>
             <a:endParaRPr lang="zh-CN" altLang="en-US"/>
           </a:p>
@@ -2925,7 +2925,7 @@
             <a:fld id="{72514870-5082-4025-BC8A-5E070B8EB77D}" type="datetimeFigureOut">
               <a:rPr lang="zh-CN" altLang="en-US" smtClean="0"/>
               <a:pPr/>
-              <a:t>2018/11/5</a:t>
+              <a:t>2019/4/15</a:t>
             </a:fld>
             <a:endParaRPr lang="zh-CN" altLang="en-US"/>
           </a:p>
@@ -3097,7 +3097,7 @@
             <a:fld id="{72514870-5082-4025-BC8A-5E070B8EB77D}" type="datetimeFigureOut">
               <a:rPr lang="zh-CN" altLang="en-US" smtClean="0"/>
               <a:pPr/>
-              <a:t>2018/11/5</a:t>
+              <a:t>2019/4/15</a:t>
             </a:fld>
             <a:endParaRPr lang="zh-CN" altLang="en-US"/>
           </a:p>
@@ -3291,7 +3291,7 @@
             <a:fld id="{72514870-5082-4025-BC8A-5E070B8EB77D}" type="datetimeFigureOut">
               <a:rPr lang="zh-CN" altLang="en-US" smtClean="0"/>
               <a:pPr/>
-              <a:t>2018/11/5</a:t>
+              <a:t>2019/4/15</a:t>
             </a:fld>
             <a:endParaRPr lang="zh-CN" altLang="en-US"/>
           </a:p>
@@ -3581,7 +3581,7 @@
             <a:fld id="{72514870-5082-4025-BC8A-5E070B8EB77D}" type="datetimeFigureOut">
               <a:rPr lang="zh-CN" altLang="en-US" smtClean="0"/>
               <a:pPr/>
-              <a:t>2018/11/5</a:t>
+              <a:t>2019/4/15</a:t>
             </a:fld>
             <a:endParaRPr lang="zh-CN" altLang="en-US"/>
           </a:p>
@@ -4005,7 +4005,7 @@
             <a:fld id="{72514870-5082-4025-BC8A-5E070B8EB77D}" type="datetimeFigureOut">
               <a:rPr lang="zh-CN" altLang="en-US" smtClean="0"/>
               <a:pPr/>
-              <a:t>2018/11/5</a:t>
+              <a:t>2019/4/15</a:t>
             </a:fld>
             <a:endParaRPr lang="zh-CN" altLang="en-US"/>
           </a:p>
@@ -4125,7 +4125,7 @@
             <a:fld id="{72514870-5082-4025-BC8A-5E070B8EB77D}" type="datetimeFigureOut">
               <a:rPr lang="zh-CN" altLang="en-US" smtClean="0"/>
               <a:pPr/>
-              <a:t>2018/11/5</a:t>
+              <a:t>2019/4/15</a:t>
             </a:fld>
             <a:endParaRPr lang="zh-CN" altLang="en-US"/>
           </a:p>
@@ -4222,7 +4222,7 @@
             <a:fld id="{72514870-5082-4025-BC8A-5E070B8EB77D}" type="datetimeFigureOut">
               <a:rPr lang="zh-CN" altLang="en-US" smtClean="0"/>
               <a:pPr/>
-              <a:t>2018/11/5</a:t>
+              <a:t>2019/4/15</a:t>
             </a:fld>
             <a:endParaRPr lang="zh-CN" altLang="en-US"/>
           </a:p>
@@ -4501,7 +4501,7 @@
             <a:fld id="{72514870-5082-4025-BC8A-5E070B8EB77D}" type="datetimeFigureOut">
               <a:rPr lang="zh-CN" altLang="en-US" smtClean="0"/>
               <a:pPr/>
-              <a:t>2018/11/5</a:t>
+              <a:t>2019/4/15</a:t>
             </a:fld>
             <a:endParaRPr lang="zh-CN" altLang="en-US"/>
           </a:p>
@@ -4673,7 +4673,7 @@
             <a:fld id="{72514870-5082-4025-BC8A-5E070B8EB77D}" type="datetimeFigureOut">
               <a:rPr lang="zh-CN" altLang="en-US" smtClean="0"/>
               <a:pPr/>
-              <a:t>2018/11/5</a:t>
+              <a:t>2019/4/15</a:t>
             </a:fld>
             <a:endParaRPr lang="zh-CN" altLang="en-US"/>
           </a:p>
@@ -4928,7 +4928,7 @@
             <a:fld id="{72514870-5082-4025-BC8A-5E070B8EB77D}" type="datetimeFigureOut">
               <a:rPr lang="zh-CN" altLang="en-US" smtClean="0"/>
               <a:pPr/>
-              <a:t>2018/11/5</a:t>
+              <a:t>2019/4/15</a:t>
             </a:fld>
             <a:endParaRPr lang="zh-CN" altLang="en-US"/>
           </a:p>
@@ -5100,7 +5100,7 @@
             <a:fld id="{72514870-5082-4025-BC8A-5E070B8EB77D}" type="datetimeFigureOut">
               <a:rPr lang="zh-CN" altLang="en-US" smtClean="0"/>
               <a:pPr/>
-              <a:t>2018/11/5</a:t>
+              <a:t>2019/4/15</a:t>
             </a:fld>
             <a:endParaRPr lang="zh-CN" altLang="en-US"/>
           </a:p>
@@ -5282,7 +5282,7 @@
             <a:fld id="{72514870-5082-4025-BC8A-5E070B8EB77D}" type="datetimeFigureOut">
               <a:rPr lang="zh-CN" altLang="en-US" smtClean="0"/>
               <a:pPr/>
-              <a:t>2018/11/5</a:t>
+              <a:t>2019/4/15</a:t>
             </a:fld>
             <a:endParaRPr lang="zh-CN" altLang="en-US"/>
           </a:p>
@@ -5476,7 +5476,7 @@
             <a:fld id="{72514870-5082-4025-BC8A-5E070B8EB77D}" type="datetimeFigureOut">
               <a:rPr lang="zh-CN" altLang="en-US" smtClean="0"/>
               <a:pPr/>
-              <a:t>2018/11/5</a:t>
+              <a:t>2019/4/15</a:t>
             </a:fld>
             <a:endParaRPr lang="zh-CN" altLang="en-US"/>
           </a:p>
@@ -5766,7 +5766,7 @@
             <a:fld id="{72514870-5082-4025-BC8A-5E070B8EB77D}" type="datetimeFigureOut">
               <a:rPr lang="zh-CN" altLang="en-US" smtClean="0"/>
               <a:pPr/>
-              <a:t>2018/11/5</a:t>
+              <a:t>2019/4/15</a:t>
             </a:fld>
             <a:endParaRPr lang="zh-CN" altLang="en-US"/>
           </a:p>
@@ -6190,7 +6190,7 @@
             <a:fld id="{72514870-5082-4025-BC8A-5E070B8EB77D}" type="datetimeFigureOut">
               <a:rPr lang="zh-CN" altLang="en-US" smtClean="0"/>
               <a:pPr/>
-              <a:t>2018/11/5</a:t>
+              <a:t>2019/4/15</a:t>
             </a:fld>
             <a:endParaRPr lang="zh-CN" altLang="en-US"/>
           </a:p>
@@ -6310,7 +6310,7 @@
             <a:fld id="{72514870-5082-4025-BC8A-5E070B8EB77D}" type="datetimeFigureOut">
               <a:rPr lang="zh-CN" altLang="en-US" smtClean="0"/>
               <a:pPr/>
-              <a:t>2018/11/5</a:t>
+              <a:t>2019/4/15</a:t>
             </a:fld>
             <a:endParaRPr lang="zh-CN" altLang="en-US"/>
           </a:p>
@@ -6407,7 +6407,7 @@
             <a:fld id="{72514870-5082-4025-BC8A-5E070B8EB77D}" type="datetimeFigureOut">
               <a:rPr lang="zh-CN" altLang="en-US" smtClean="0"/>
               <a:pPr/>
-              <a:t>2018/11/5</a:t>
+              <a:t>2019/4/15</a:t>
             </a:fld>
             <a:endParaRPr lang="zh-CN" altLang="en-US"/>
           </a:p>
@@ -6686,7 +6686,7 @@
             <a:fld id="{72514870-5082-4025-BC8A-5E070B8EB77D}" type="datetimeFigureOut">
               <a:rPr lang="zh-CN" altLang="en-US" smtClean="0"/>
               <a:pPr/>
-              <a:t>2018/11/5</a:t>
+              <a:t>2019/4/15</a:t>
             </a:fld>
             <a:endParaRPr lang="zh-CN" altLang="en-US"/>
           </a:p>
@@ -6941,7 +6941,7 @@
             <a:fld id="{72514870-5082-4025-BC8A-5E070B8EB77D}" type="datetimeFigureOut">
               <a:rPr lang="zh-CN" altLang="en-US" smtClean="0"/>
               <a:pPr/>
-              <a:t>2018/11/5</a:t>
+              <a:t>2019/4/15</a:t>
             </a:fld>
             <a:endParaRPr lang="zh-CN" altLang="en-US"/>
           </a:p>
@@ -8538,11 +8538,25 @@
           <a:lstStyle/>
           <a:p>
             <a:r>
+              <a:rPr lang="zh-CN" altLang="en-US">
+                <a:latin typeface="微软雅黑" panose="020B0503020204020204" pitchFamily="34" charset="-122"/>
+                <a:ea typeface="微软雅黑" panose="020B0503020204020204" pitchFamily="34" charset="-122"/>
+              </a:rPr>
+              <a:t>多</a:t>
+            </a:r>
+            <a:r>
               <a:rPr lang="zh-CN" altLang="en-US" smtClean="0">
                 <a:latin typeface="微软雅黑" panose="020B0503020204020204" pitchFamily="34" charset="-122"/>
                 <a:ea typeface="微软雅黑" panose="020B0503020204020204" pitchFamily="34" charset="-122"/>
               </a:rPr>
-              <a:t>对对多</a:t>
+              <a:t>对</a:t>
+            </a:r>
+            <a:r>
+              <a:rPr lang="zh-CN" altLang="en-US" smtClean="0">
+                <a:latin typeface="微软雅黑" panose="020B0503020204020204" pitchFamily="34" charset="-122"/>
+                <a:ea typeface="微软雅黑" panose="020B0503020204020204" pitchFamily="34" charset="-122"/>
+              </a:rPr>
+              <a:t>多</a:t>
             </a:r>
             <a:endParaRPr lang="zh-CN" altLang="en-US">
               <a:latin typeface="微软雅黑" panose="020B0503020204020204" pitchFamily="34" charset="-122"/>
@@ -12387,17 +12401,7 @@
                 <a:latin typeface="微软雅黑" charset="0"/>
                 <a:ea typeface="微软雅黑" charset="0"/>
               </a:rPr>
-              <a:t>学习目标</a:t>
-            </a:r>
-            <a:r>
-              <a:rPr lang="zh-CN" altLang="en-US" sz="2000" kern="0">
-                <a:solidFill>
-                  <a:srgbClr val="212121"/>
-                </a:solidFill>
-                <a:latin typeface="微软雅黑" charset="0"/>
-                <a:ea typeface="微软雅黑" charset="0"/>
-              </a:rPr>
-              <a:t>：独立使用</a:t>
+              <a:t>学习目标：独立使用</a:t>
             </a:r>
             <a:r>
               <a:rPr lang="en-US" altLang="zh-CN" sz="2000" kern="0">
